--- a/CKDSurveillance/PPT/Q762.pptx
+++ b/CKDSurveillance/PPT/Q762.pptx
@@ -150,7 +150,7 @@
           <c:order val="0"/>
           <c:tx>
             <c:strRef>
-              <c:f>Graphics!$B$2</c:f>
+              <c:f>Age!$B$1</c:f>
               <c:strCache>
                 <c:ptCount val="1"/>
                 <c:pt idx="0">
@@ -162,7 +162,7 @@
           <c:spPr>
             <a:ln w="44450" cap="rnd">
               <a:solidFill>
-                <a:srgbClr val="7030A0"/>
+                <a:schemeClr val="accent1"/>
               </a:solidFill>
               <a:round/>
             </a:ln>
@@ -173,11 +173,11 @@
             <c:size val="5"/>
             <c:spPr>
               <a:solidFill>
-                <a:srgbClr val="7030A0"/>
+                <a:schemeClr val="accent1"/>
               </a:solidFill>
               <a:ln w="44450">
                 <a:solidFill>
-                  <a:srgbClr val="7030A0"/>
+                  <a:schemeClr val="accent1"/>
                 </a:solidFill>
               </a:ln>
               <a:effectLst/>
@@ -185,7 +185,7 @@
           </c:marker>
           <c:cat>
             <c:strRef>
-              <c:f>Graphics!$A$3:$A$7</c:f>
+              <c:f>Age!$A$2:$A$6</c:f>
               <c:strCache>
                 <c:ptCount val="5"/>
                 <c:pt idx="0">
@@ -208,7 +208,7 @@
           </c:cat>
           <c:val>
             <c:numRef>
-              <c:f>Graphics!$B$3:$B$7</c:f>
+              <c:f>Age!$B$2:$B$6</c:f>
               <c:numCache>
                 <c:formatCode>0.0</c:formatCode>
                 <c:ptCount val="5"/>
@@ -233,7 +233,7 @@
           <c:smooth val="0"/>
           <c:extLst>
             <c:ext xmlns:c16="http://schemas.microsoft.com/office/drawing/2014/chart" uri="{C3380CC4-5D6E-409C-BE32-E72D297353CC}">
-              <c16:uniqueId val="{00000000-413B-4C81-89A2-D2B92CFD914B}"/>
+              <c16:uniqueId val="{00000000-50A6-495A-BC5D-BC2BCB4D2D3E}"/>
             </c:ext>
           </c:extLst>
         </c:ser>
@@ -242,7 +242,7 @@
           <c:order val="1"/>
           <c:tx>
             <c:strRef>
-              <c:f>Graphics!$C$2</c:f>
+              <c:f>Age!$C$1</c:f>
               <c:strCache>
                 <c:ptCount val="1"/>
                 <c:pt idx="0">
@@ -254,7 +254,7 @@
           <c:spPr>
             <a:ln w="44450" cap="rnd">
               <a:solidFill>
-                <a:srgbClr val="008080"/>
+                <a:schemeClr val="accent2"/>
               </a:solidFill>
               <a:round/>
             </a:ln>
@@ -265,11 +265,11 @@
             <c:size val="5"/>
             <c:spPr>
               <a:solidFill>
-                <a:srgbClr val="008080"/>
+                <a:schemeClr val="accent2"/>
               </a:solidFill>
               <a:ln w="44450">
                 <a:solidFill>
-                  <a:srgbClr val="008080"/>
+                  <a:schemeClr val="accent2"/>
                 </a:solidFill>
               </a:ln>
               <a:effectLst/>
@@ -277,7 +277,7 @@
           </c:marker>
           <c:cat>
             <c:strRef>
-              <c:f>Graphics!$A$3:$A$7</c:f>
+              <c:f>Age!$A$2:$A$6</c:f>
               <c:strCache>
                 <c:ptCount val="5"/>
                 <c:pt idx="0">
@@ -300,7 +300,7 @@
           </c:cat>
           <c:val>
             <c:numRef>
-              <c:f>Graphics!$C$3:$C$7</c:f>
+              <c:f>Age!$C$2:$C$6</c:f>
               <c:numCache>
                 <c:formatCode>0.0</c:formatCode>
                 <c:ptCount val="5"/>
@@ -317,7 +317,7 @@
                   <c:v>10.199999999999999</c:v>
                 </c:pt>
                 <c:pt idx="4">
-                  <c:v>10.9</c:v>
+                  <c:v>10.8</c:v>
                 </c:pt>
               </c:numCache>
             </c:numRef>
@@ -325,7 +325,7 @@
           <c:smooth val="0"/>
           <c:extLst>
             <c:ext xmlns:c16="http://schemas.microsoft.com/office/drawing/2014/chart" uri="{C3380CC4-5D6E-409C-BE32-E72D297353CC}">
-              <c16:uniqueId val="{00000001-413B-4C81-89A2-D2B92CFD914B}"/>
+              <c16:uniqueId val="{00000001-50A6-495A-BC5D-BC2BCB4D2D3E}"/>
             </c:ext>
           </c:extLst>
         </c:ser>
@@ -334,7 +334,7 @@
           <c:order val="2"/>
           <c:tx>
             <c:strRef>
-              <c:f>Graphics!$D$2</c:f>
+              <c:f>Age!$D$1</c:f>
               <c:strCache>
                 <c:ptCount val="1"/>
                 <c:pt idx="0">
@@ -369,7 +369,7 @@
           </c:marker>
           <c:cat>
             <c:strRef>
-              <c:f>Graphics!$A$3:$A$7</c:f>
+              <c:f>Age!$A$2:$A$6</c:f>
               <c:strCache>
                 <c:ptCount val="5"/>
                 <c:pt idx="0">
@@ -392,7 +392,7 @@
           </c:cat>
           <c:val>
             <c:numRef>
-              <c:f>Graphics!$D$3:$D$7</c:f>
+              <c:f>Age!$D$2:$D$6</c:f>
               <c:numCache>
                 <c:formatCode>0.0</c:formatCode>
                 <c:ptCount val="5"/>
@@ -409,7 +409,7 @@
                   <c:v>19.100000000000001</c:v>
                 </c:pt>
                 <c:pt idx="4">
-                  <c:v>18.5</c:v>
+                  <c:v>18.600000000000001</c:v>
                 </c:pt>
               </c:numCache>
             </c:numRef>
@@ -417,7 +417,7 @@
           <c:smooth val="0"/>
           <c:extLst>
             <c:ext xmlns:c16="http://schemas.microsoft.com/office/drawing/2014/chart" uri="{C3380CC4-5D6E-409C-BE32-E72D297353CC}">
-              <c16:uniqueId val="{00000002-413B-4C81-89A2-D2B92CFD914B}"/>
+              <c16:uniqueId val="{00000002-50A6-495A-BC5D-BC2BCB4D2D3E}"/>
             </c:ext>
           </c:extLst>
         </c:ser>
@@ -426,7 +426,7 @@
           <c:order val="3"/>
           <c:tx>
             <c:strRef>
-              <c:f>Graphics!$E$2</c:f>
+              <c:f>Age!$E$1</c:f>
               <c:strCache>
                 <c:ptCount val="1"/>
                 <c:pt idx="0">
@@ -438,7 +438,7 @@
           <c:spPr>
             <a:ln w="44450" cap="rnd">
               <a:solidFill>
-                <a:schemeClr val="accent2"/>
+                <a:schemeClr val="accent4"/>
               </a:solidFill>
               <a:round/>
             </a:ln>
@@ -449,11 +449,11 @@
             <c:size val="5"/>
             <c:spPr>
               <a:solidFill>
-                <a:schemeClr val="accent2"/>
+                <a:schemeClr val="accent4"/>
               </a:solidFill>
               <a:ln w="44450">
                 <a:solidFill>
-                  <a:schemeClr val="accent2"/>
+                  <a:schemeClr val="accent4"/>
                 </a:solidFill>
               </a:ln>
               <a:effectLst/>
@@ -461,7 +461,7 @@
           </c:marker>
           <c:cat>
             <c:strRef>
-              <c:f>Graphics!$A$3:$A$7</c:f>
+              <c:f>Age!$A$2:$A$6</c:f>
               <c:strCache>
                 <c:ptCount val="5"/>
                 <c:pt idx="0">
@@ -484,7 +484,7 @@
           </c:cat>
           <c:val>
             <c:numRef>
-              <c:f>Graphics!$E$3:$E$7</c:f>
+              <c:f>Age!$E$2:$E$6</c:f>
               <c:numCache>
                 <c:formatCode>0.0</c:formatCode>
                 <c:ptCount val="5"/>
@@ -501,7 +501,7 @@
                   <c:v>41.2</c:v>
                 </c:pt>
                 <c:pt idx="4">
-                  <c:v>38.4</c:v>
+                  <c:v>38</c:v>
                 </c:pt>
               </c:numCache>
             </c:numRef>
@@ -509,7 +509,7 @@
           <c:smooth val="0"/>
           <c:extLst>
             <c:ext xmlns:c16="http://schemas.microsoft.com/office/drawing/2014/chart" uri="{C3380CC4-5D6E-409C-BE32-E72D297353CC}">
-              <c16:uniqueId val="{00000003-413B-4C81-89A2-D2B92CFD914B}"/>
+              <c16:uniqueId val="{00000003-50A6-495A-BC5D-BC2BCB4D2D3E}"/>
             </c:ext>
           </c:extLst>
         </c:ser>
@@ -518,7 +518,7 @@
           <c:order val="4"/>
           <c:tx>
             <c:strRef>
-              <c:f>Graphics!$F$2</c:f>
+              <c:f>Age!$F$1</c:f>
               <c:strCache>
                 <c:ptCount val="1"/>
                 <c:pt idx="0">
@@ -552,32 +552,9 @@
               <a:effectLst/>
             </c:spPr>
           </c:marker>
-          <c:cat>
-            <c:strRef>
-              <c:f>Graphics!$A$3:$A$7</c:f>
-              <c:strCache>
-                <c:ptCount val="5"/>
-                <c:pt idx="0">
-                  <c:v>2001–2004</c:v>
-                </c:pt>
-                <c:pt idx="1">
-                  <c:v>2005–2008</c:v>
-                </c:pt>
-                <c:pt idx="2">
-                  <c:v>2009–2012</c:v>
-                </c:pt>
-                <c:pt idx="3">
-                  <c:v>2013–2016</c:v>
-                </c:pt>
-                <c:pt idx="4">
-                  <c:v>2017–2020</c:v>
-                </c:pt>
-              </c:strCache>
-            </c:strRef>
-          </c:cat>
           <c:val>
             <c:numRef>
-              <c:f>Graphics!$F$3:$F$7</c:f>
+              <c:f>Age!$F$2:$F$6</c:f>
               <c:numCache>
                 <c:formatCode>0.0</c:formatCode>
                 <c:ptCount val="5"/>
@@ -602,7 +579,7 @@
           <c:smooth val="0"/>
           <c:extLst>
             <c:ext xmlns:c16="http://schemas.microsoft.com/office/drawing/2014/chart" uri="{C3380CC4-5D6E-409C-BE32-E72D297353CC}">
-              <c16:uniqueId val="{00000004-413B-4C81-89A2-D2B92CFD914B}"/>
+              <c16:uniqueId val="{00000004-50A6-495A-BC5D-BC2BCB4D2D3E}"/>
             </c:ext>
           </c:extLst>
         </c:ser>
@@ -616,11 +593,11 @@
         </c:dLbls>
         <c:marker val="1"/>
         <c:smooth val="0"/>
-        <c:axId val="684710096"/>
-        <c:axId val="684702608"/>
+        <c:axId val="1471112000"/>
+        <c:axId val="1471107008"/>
       </c:lineChart>
       <c:catAx>
-        <c:axId val="684710096"/>
+        <c:axId val="1471112000"/>
         <c:scaling>
           <c:orientation val="minMax"/>
         </c:scaling>
@@ -650,7 +627,7 @@
             <a:pPr>
               <a:defRPr sz="2400" b="0" i="0" u="none" strike="noStrike" kern="1200" baseline="0">
                 <a:solidFill>
-                  <a:schemeClr val="tx1"/>
+                  <a:sysClr val="windowText" lastClr="000000"/>
                 </a:solidFill>
                 <a:latin typeface="+mn-lt"/>
                 <a:ea typeface="+mn-ea"/>
@@ -660,7 +637,7 @@
             <a:endParaRPr lang="en-US"/>
           </a:p>
         </c:txPr>
-        <c:crossAx val="684702608"/>
+        <c:crossAx val="1471107008"/>
         <c:crosses val="autoZero"/>
         <c:auto val="1"/>
         <c:lblAlgn val="ctr"/>
@@ -668,7 +645,7 @@
         <c:noMultiLvlLbl val="0"/>
       </c:catAx>
       <c:valAx>
-        <c:axId val="684702608"/>
+        <c:axId val="1471107008"/>
         <c:scaling>
           <c:orientation val="minMax"/>
         </c:scaling>
@@ -695,9 +672,9 @@
               <a:lstStyle/>
               <a:p>
                 <a:pPr>
-                  <a:defRPr sz="2800" b="0" i="0" u="none" strike="noStrike" kern="1200" baseline="0">
+                  <a:defRPr sz="2400" b="0" i="0" u="none" strike="noStrike" kern="1200" baseline="0">
                     <a:solidFill>
-                      <a:schemeClr val="tx1"/>
+                      <a:sysClr val="windowText" lastClr="000000"/>
                     </a:solidFill>
                     <a:latin typeface="+mn-lt"/>
                     <a:ea typeface="+mn-ea"/>
@@ -705,24 +682,24 @@
                   </a:defRPr>
                 </a:pPr>
                 <a:r>
-                  <a:rPr lang="en-US" sz="2800">
+                  <a:rPr lang="en-US" sz="2400">
                     <a:solidFill>
-                      <a:schemeClr val="tx1"/>
+                      <a:sysClr val="windowText" lastClr="000000"/>
                     </a:solidFill>
                   </a:rPr>
                   <a:t>CKD</a:t>
                 </a:r>
                 <a:r>
-                  <a:rPr lang="en-US" sz="2800" baseline="0">
+                  <a:rPr lang="en-US" sz="2400" baseline="0">
                     <a:solidFill>
-                      <a:schemeClr val="tx1"/>
+                      <a:sysClr val="windowText" lastClr="000000"/>
                     </a:solidFill>
                   </a:rPr>
                   <a:t> (%)</a:t>
                 </a:r>
-                <a:endParaRPr lang="en-US" sz="2800">
+                <a:endParaRPr lang="en-US" sz="2400">
                   <a:solidFill>
-                    <a:schemeClr val="tx1"/>
+                    <a:sysClr val="windowText" lastClr="000000"/>
                   </a:solidFill>
                 </a:endParaRPr>
               </a:p>
@@ -732,8 +709,8 @@
             <c:manualLayout>
               <c:xMode val="edge"/>
               <c:yMode val="edge"/>
-              <c:x val="3.3084004977709976E-3"/>
-              <c:y val="0.27911221932216912"/>
+              <c:x val="0"/>
+              <c:y val="0.29607056392475167"/>
             </c:manualLayout>
           </c:layout>
           <c:overlay val="0"/>
@@ -749,9 +726,9 @@
             <a:lstStyle/>
             <a:p>
               <a:pPr>
-                <a:defRPr sz="2800" b="0" i="0" u="none" strike="noStrike" kern="1200" baseline="0">
+                <a:defRPr sz="2400" b="0" i="0" u="none" strike="noStrike" kern="1200" baseline="0">
                   <a:solidFill>
-                    <a:schemeClr val="tx1"/>
+                    <a:sysClr val="windowText" lastClr="000000"/>
                   </a:solidFill>
                   <a:latin typeface="+mn-lt"/>
                   <a:ea typeface="+mn-ea"/>
@@ -780,7 +757,7 @@
             <a:pPr>
               <a:defRPr sz="2400" b="0" i="0" u="none" strike="noStrike" kern="1200" baseline="0">
                 <a:solidFill>
-                  <a:schemeClr val="tx1"/>
+                  <a:sysClr val="windowText" lastClr="000000"/>
                 </a:solidFill>
                 <a:latin typeface="+mn-lt"/>
                 <a:ea typeface="+mn-ea"/>
@@ -790,7 +767,7 @@
             <a:endParaRPr lang="en-US"/>
           </a:p>
         </c:txPr>
-        <c:crossAx val="684710096"/>
+        <c:crossAx val="1471112000"/>
         <c:crosses val="autoZero"/>
         <c:crossBetween val="between"/>
         <c:majorUnit val="10"/>
@@ -809,10 +786,10 @@
         <c:manualLayout>
           <c:xMode val="edge"/>
           <c:yMode val="edge"/>
-          <c:x val="0.10323529439858271"/>
-          <c:y val="0.89404685616461077"/>
-          <c:w val="0.89057573896945841"/>
-          <c:h val="9.7588872577462266E-2"/>
+          <c:x val="0.10789873459604189"/>
+          <c:y val="0.90269419526567651"/>
+          <c:w val="0.86567159391875481"/>
+          <c:h val="9.7305804734323625E-2"/>
         </c:manualLayout>
       </c:layout>
       <c:overlay val="0"/>
@@ -828,9 +805,9 @@
         <a:lstStyle/>
         <a:p>
           <a:pPr>
-            <a:defRPr sz="2400" b="0" i="0" u="none" strike="noStrike" kern="1200" baseline="0">
+            <a:defRPr sz="2000" b="0" i="0" u="none" strike="noStrike" kern="1200" baseline="0">
               <a:solidFill>
-                <a:schemeClr val="tx1"/>
+                <a:sysClr val="windowText" lastClr="000000"/>
               </a:solidFill>
               <a:latin typeface="+mn-lt"/>
               <a:ea typeface="+mn-ea"/>
@@ -853,9 +830,12 @@
     <c:showDLblsOverMax val="0"/>
   </c:chart>
   <c:spPr>
-    <a:noFill/>
-    <a:ln>
+    <a:solidFill>
+      <a:schemeClr val="bg1"/>
+    </a:solidFill>
+    <a:ln w="9525" cap="flat" cmpd="sng" algn="ctr">
       <a:noFill/>
+      <a:round/>
     </a:ln>
     <a:effectLst/>
   </c:spPr>
@@ -1547,7 +1527,7 @@
           <a:p>
             <a:fld id="{FEC8F623-83FF-45D9-9165-1796CF17F145}" type="datetimeFigureOut">
               <a:rPr lang="en-US" smtClean="0"/>
-              <a:t>10/19/2023</a:t>
+              <a:t>7/19/2024</a:t>
             </a:fld>
             <a:endParaRPr lang="en-US"/>
           </a:p>
@@ -1715,7 +1695,7 @@
           <a:p>
             <a:fld id="{FEC8F623-83FF-45D9-9165-1796CF17F145}" type="datetimeFigureOut">
               <a:rPr lang="en-US" smtClean="0"/>
-              <a:t>10/19/2023</a:t>
+              <a:t>7/19/2024</a:t>
             </a:fld>
             <a:endParaRPr lang="en-US"/>
           </a:p>
@@ -1893,7 +1873,7 @@
           <a:p>
             <a:fld id="{FEC8F623-83FF-45D9-9165-1796CF17F145}" type="datetimeFigureOut">
               <a:rPr lang="en-US" smtClean="0"/>
-              <a:t>10/19/2023</a:t>
+              <a:t>7/19/2024</a:t>
             </a:fld>
             <a:endParaRPr lang="en-US"/>
           </a:p>
@@ -2061,7 +2041,7 @@
           <a:p>
             <a:fld id="{FEC8F623-83FF-45D9-9165-1796CF17F145}" type="datetimeFigureOut">
               <a:rPr lang="en-US" smtClean="0"/>
-              <a:t>10/19/2023</a:t>
+              <a:t>7/19/2024</a:t>
             </a:fld>
             <a:endParaRPr lang="en-US"/>
           </a:p>
@@ -2341,7 +2321,7 @@
           <a:p>
             <a:fld id="{FEC8F623-83FF-45D9-9165-1796CF17F145}" type="datetimeFigureOut">
               <a:rPr lang="en-US" smtClean="0"/>
-              <a:t>10/19/2023</a:t>
+              <a:t>7/19/2024</a:t>
             </a:fld>
             <a:endParaRPr lang="en-US"/>
           </a:p>
@@ -2594,7 +2574,7 @@
           <a:p>
             <a:fld id="{FEC8F623-83FF-45D9-9165-1796CF17F145}" type="datetimeFigureOut">
               <a:rPr lang="en-US" smtClean="0"/>
-              <a:t>10/19/2023</a:t>
+              <a:t>7/19/2024</a:t>
             </a:fld>
             <a:endParaRPr lang="en-US"/>
           </a:p>
@@ -2982,7 +2962,7 @@
           <a:p>
             <a:fld id="{FEC8F623-83FF-45D9-9165-1796CF17F145}" type="datetimeFigureOut">
               <a:rPr lang="en-US" smtClean="0"/>
-              <a:t>10/19/2023</a:t>
+              <a:t>7/19/2024</a:t>
             </a:fld>
             <a:endParaRPr lang="en-US"/>
           </a:p>
@@ -3123,7 +3103,7 @@
           <a:p>
             <a:fld id="{FEC8F623-83FF-45D9-9165-1796CF17F145}" type="datetimeFigureOut">
               <a:rPr lang="en-US" smtClean="0"/>
-              <a:t>10/19/2023</a:t>
+              <a:t>7/19/2024</a:t>
             </a:fld>
             <a:endParaRPr lang="en-US"/>
           </a:p>
@@ -3218,7 +3198,7 @@
           <a:p>
             <a:fld id="{FEC8F623-83FF-45D9-9165-1796CF17F145}" type="datetimeFigureOut">
               <a:rPr lang="en-US" smtClean="0"/>
-              <a:t>10/19/2023</a:t>
+              <a:t>7/19/2024</a:t>
             </a:fld>
             <a:endParaRPr lang="en-US"/>
           </a:p>
@@ -3493,7 +3473,7 @@
           <a:p>
             <a:fld id="{FEC8F623-83FF-45D9-9165-1796CF17F145}" type="datetimeFigureOut">
               <a:rPr lang="en-US" smtClean="0"/>
-              <a:t>10/19/2023</a:t>
+              <a:t>7/19/2024</a:t>
             </a:fld>
             <a:endParaRPr lang="en-US"/>
           </a:p>
@@ -3745,7 +3725,7 @@
           <a:p>
             <a:fld id="{FEC8F623-83FF-45D9-9165-1796CF17F145}" type="datetimeFigureOut">
               <a:rPr lang="en-US" smtClean="0"/>
-              <a:t>10/19/2023</a:t>
+              <a:t>7/19/2024</a:t>
             </a:fld>
             <a:endParaRPr lang="en-US"/>
           </a:p>
@@ -3956,7 +3936,7 @@
           <a:p>
             <a:fld id="{FEC8F623-83FF-45D9-9165-1796CF17F145}" type="datetimeFigureOut">
               <a:rPr lang="en-US" smtClean="0"/>
-              <a:t>10/19/2023</a:t>
+              <a:t>7/19/2024</a:t>
             </a:fld>
             <a:endParaRPr lang="en-US"/>
           </a:p>
@@ -4469,7 +4449,7 @@
                 <a:effectLst/>
                 <a:latin typeface="Open Sans" panose="020B0606030504020204" pitchFamily="34" charset="0"/>
               </a:rPr>
-              <a:t>The prevalence of chronic kidney disease (CKD) is higher among older age groups and highest among adults aged 70 years or older. Prevalence among adults aged ≥ 70 years is lower in recent years (38.4% in 2017–March 2020 and 47.1% in 2001–2004).</a:t>
+              <a:t>The prevalence of chronic kidney disease (CKD) is higher among older age groups and highest among adults aged 70 years or older. Prevalence among adults aged ≥ 70 years is lower in recent years (38.0% in 2017–March 2020 and 47.1% in 2001–2004).</a:t>
             </a:r>
           </a:p>
           <a:p>
@@ -4554,8 +4534,20 @@
                     <a:lumOff val="35000"/>
                   </a:schemeClr>
                 </a:solidFill>
+                <a:hlinkClick r:id="rId3"/>
               </a:rPr>
               <a:t>https://nccd.cdc.gov/CKD/detail.aspx?Qnum=Q762</a:t>
+            </a:r>
+            <a:r>
+              <a:rPr lang="en-US" dirty="0">
+                <a:solidFill>
+                  <a:schemeClr val="tx1">
+                    <a:lumMod val="65000"/>
+                    <a:lumOff val="35000"/>
+                  </a:schemeClr>
+                </a:solidFill>
+              </a:rPr>
+              <a:t> </a:t>
             </a:r>
           </a:p>
         </p:txBody>
@@ -4621,27 +4613,25 @@
       </p:sp>
       <p:graphicFrame>
         <p:nvGraphicFramePr>
-          <p:cNvPr id="3" name="Chart 2">
+          <p:cNvPr id="4" name="Chart 3">
             <a:extLst>
               <a:ext uri="{FF2B5EF4-FFF2-40B4-BE49-F238E27FC236}">
-                <a16:creationId xmlns:a16="http://schemas.microsoft.com/office/drawing/2014/main" id="{E0732D73-E2E0-47E6-945E-9FDFE8CD8EFF}"/>
+                <a16:creationId xmlns:a16="http://schemas.microsoft.com/office/drawing/2014/main" id="{B54CC399-ED19-49E3-9F01-FAA98793B623}"/>
               </a:ext>
             </a:extLst>
           </p:cNvPr>
-          <p:cNvGraphicFramePr>
-            <a:graphicFrameLocks/>
-          </p:cNvGraphicFramePr>
+          <p:cNvGraphicFramePr/>
           <p:nvPr>
             <p:extLst>
               <p:ext uri="{D42A27DB-BD31-4B8C-83A1-F6EECF244321}">
-                <p14:modId xmlns:p14="http://schemas.microsoft.com/office/powerpoint/2010/main" val="1907767613"/>
+                <p14:modId xmlns:p14="http://schemas.microsoft.com/office/powerpoint/2010/main" val="85829010"/>
               </p:ext>
             </p:extLst>
           </p:nvPr>
         </p:nvGraphicFramePr>
         <p:xfrm>
-          <a:off x="337930" y="1540911"/>
-          <a:ext cx="11516139" cy="4555089"/>
+          <a:off x="0" y="1540911"/>
+          <a:ext cx="12192000" cy="4647853"/>
         </p:xfrm>
         <a:graphic>
           <a:graphicData uri="http://schemas.openxmlformats.org/drawingml/2006/chart">
